--- a/노트/8_1st Project/sample_ver0310.pptx
+++ b/노트/8_1st Project/sample_ver0310.pptx
@@ -131,7 +131,7 @@
   </p:defaultTextStyle>
   <p:extLst>
     <p:ext uri="{EFAFB233-063F-42B5-8137-9DF3F51BA10A}">
-      <p15:sldGuideLst xmlns="" xmlns:p15="http://schemas.microsoft.com/office/powerpoint/2012/main">
+      <p15:sldGuideLst xmlns:p15="http://schemas.microsoft.com/office/powerpoint/2012/main" xmlns="">
         <p15:guide id="1" orient="horz" pos="2160">
           <p15:clr>
             <a:srgbClr val="A4A3A4"/>
@@ -145,7 +145,7 @@
       </p15:sldGuideLst>
     </p:ext>
     <p:ext uri="{2D200454-40CA-4A62-9FC3-DE9A4176ACB9}">
-      <p15:notesGuideLst xmlns="" xmlns:p15="http://schemas.microsoft.com/office/powerpoint/2012/main">
+      <p15:notesGuideLst xmlns:p15="http://schemas.microsoft.com/office/powerpoint/2012/main" xmlns="">
         <p15:guide id="1" orient="horz" pos="2880">
           <p15:clr>
             <a:srgbClr val="A4A3A4"/>
@@ -244,7 +244,7 @@
           <a:p>
             <a:fld id="{684ABEAC-FD1E-446D-854E-09142DFB339C}" type="datetimeFigureOut">
               <a:rPr lang="ko-KR" altLang="en-US" smtClean="0"/>
-              <a:t>2020-03-10</a:t>
+              <a:t>2020-03-11</a:t>
             </a:fld>
             <a:endParaRPr lang="ko-KR" altLang="en-US"/>
           </a:p>
@@ -409,7 +409,7 @@
           <a:p>
             <a:fld id="{E299D967-67B2-4132-B52D-A253871A1F24}" type="datetimeFigureOut">
               <a:rPr lang="ko-KR" altLang="en-US" smtClean="0"/>
-              <a:t>2020-03-10</a:t>
+              <a:t>2020-03-11</a:t>
             </a:fld>
             <a:endParaRPr lang="ko-KR" altLang="en-US"/>
           </a:p>
@@ -1119,7 +1119,7 @@
           <a:p>
             <a:fld id="{20303F18-CB98-4E85-A37B-EF5A4E6C8DE7}" type="datetime1">
               <a:rPr lang="ko-KR" altLang="en-US" smtClean="0"/>
-              <a:t>2020-03-10</a:t>
+              <a:t>2020-03-11</a:t>
             </a:fld>
             <a:endParaRPr lang="ko-KR" altLang="en-US"/>
           </a:p>
@@ -1292,7 +1292,7 @@
           <a:p>
             <a:fld id="{CCA16C65-58A5-46D5-A762-12670B92641B}" type="datetime1">
               <a:rPr lang="ko-KR" altLang="en-US" smtClean="0"/>
-              <a:t>2020-03-10</a:t>
+              <a:t>2020-03-11</a:t>
             </a:fld>
             <a:endParaRPr lang="ko-KR" altLang="en-US"/>
           </a:p>
@@ -1470,7 +1470,7 @@
           <a:p>
             <a:fld id="{2D09A68A-AC6E-41FE-B28C-2BB812CC2E01}" type="datetime1">
               <a:rPr lang="ko-KR" altLang="en-US" smtClean="0"/>
-              <a:t>2020-03-10</a:t>
+              <a:t>2020-03-11</a:t>
             </a:fld>
             <a:endParaRPr lang="ko-KR" altLang="en-US"/>
           </a:p>
@@ -1638,7 +1638,7 @@
           <a:p>
             <a:fld id="{690B8B09-A0F3-4880-B090-7FDDEE5B5065}" type="datetime1">
               <a:rPr lang="ko-KR" altLang="en-US" smtClean="0"/>
-              <a:t>2020-03-10</a:t>
+              <a:t>2020-03-11</a:t>
             </a:fld>
             <a:endParaRPr lang="ko-KR" altLang="en-US"/>
           </a:p>
@@ -1883,7 +1883,7 @@
           <a:p>
             <a:fld id="{82F7D3F4-816B-4FA6-91FC-91836ECD0E53}" type="datetime1">
               <a:rPr lang="ko-KR" altLang="en-US" smtClean="0"/>
-              <a:t>2020-03-10</a:t>
+              <a:t>2020-03-11</a:t>
             </a:fld>
             <a:endParaRPr lang="ko-KR" altLang="en-US"/>
           </a:p>
@@ -2168,7 +2168,7 @@
           <a:p>
             <a:fld id="{2FB9FCFF-984A-4549-AB53-391F9EC1244A}" type="datetime1">
               <a:rPr lang="ko-KR" altLang="en-US" smtClean="0"/>
-              <a:t>2020-03-10</a:t>
+              <a:t>2020-03-11</a:t>
             </a:fld>
             <a:endParaRPr lang="ko-KR" altLang="en-US"/>
           </a:p>
@@ -2587,7 +2587,7 @@
           <a:p>
             <a:fld id="{94618DE4-C4FE-4171-90C7-38CF01638033}" type="datetime1">
               <a:rPr lang="ko-KR" altLang="en-US" smtClean="0"/>
-              <a:t>2020-03-10</a:t>
+              <a:t>2020-03-11</a:t>
             </a:fld>
             <a:endParaRPr lang="ko-KR" altLang="en-US"/>
           </a:p>
@@ -2704,7 +2704,7 @@
           <a:p>
             <a:fld id="{33587621-9D18-4C20-9B84-3E938621A025}" type="datetime1">
               <a:rPr lang="ko-KR" altLang="en-US" smtClean="0"/>
-              <a:t>2020-03-10</a:t>
+              <a:t>2020-03-11</a:t>
             </a:fld>
             <a:endParaRPr lang="ko-KR" altLang="en-US"/>
           </a:p>
@@ -3388,7 +3388,7 @@
           <a:p>
             <a:fld id="{B517649B-2577-404C-858E-51E9DEBB2548}" type="datetime1">
               <a:rPr lang="ko-KR" altLang="en-US" smtClean="0"/>
-              <a:t>2020-03-10</a:t>
+              <a:t>2020-03-11</a:t>
             </a:fld>
             <a:endParaRPr lang="ko-KR" altLang="en-US"/>
           </a:p>
@@ -3640,7 +3640,7 @@
           <a:p>
             <a:fld id="{8D84C674-EF46-4F27-9E3E-4F6A170B0DC6}" type="datetime1">
               <a:rPr lang="ko-KR" altLang="en-US" smtClean="0"/>
-              <a:t>2020-03-10</a:t>
+              <a:t>2020-03-11</a:t>
             </a:fld>
             <a:endParaRPr lang="ko-KR" altLang="en-US"/>
           </a:p>
@@ -3851,7 +3851,7 @@
           <a:p>
             <a:fld id="{B40F11ED-9D7B-4CCE-A57D-CC1D7760FB25}" type="datetime1">
               <a:rPr lang="ko-KR" altLang="en-US" smtClean="0"/>
-              <a:t>2020-03-10</a:t>
+              <a:t>2020-03-11</a:t>
             </a:fld>
             <a:endParaRPr lang="ko-KR" altLang="en-US"/>
           </a:p>
@@ -4338,8 +4338,8 @@
         </p:nvSpPr>
         <p:spPr>
           <a:xfrm>
-            <a:off x="226127" y="2063352"/>
-            <a:ext cx="6242414" cy="523220"/>
+            <a:off x="421888" y="1923678"/>
+            <a:ext cx="1755609" cy="523220"/>
           </a:xfrm>
           <a:prstGeom prst="rect">
             <a:avLst/>
@@ -4354,55 +4354,7 @@
           <a:p>
             <a:pPr algn="r"/>
             <a:r>
-              <a:rPr lang="ko-KR" altLang="en-US" sz="2800" b="1" spc="-300" dirty="0">
-                <a:solidFill>
-                  <a:schemeClr val="bg2">
-                    <a:lumMod val="25000"/>
-                  </a:schemeClr>
-                </a:solidFill>
-                <a:latin typeface="HY헤드라인M" pitchFamily="18" charset="-127"/>
-                <a:ea typeface="HY헤드라인M" pitchFamily="18" charset="-127"/>
-              </a:rPr>
-              <a:t>어플리케이션 구현 사 </a:t>
-            </a:r>
-            <a:r>
-              <a:rPr lang="ko-KR" altLang="en-US" sz="2800" b="1" spc="-300" dirty="0" err="1">
-                <a:solidFill>
-                  <a:schemeClr val="bg2">
-                    <a:lumMod val="25000"/>
-                  </a:schemeClr>
-                </a:solidFill>
-                <a:latin typeface="HY헤드라인M" pitchFamily="18" charset="-127"/>
-                <a:ea typeface="HY헤드라인M" pitchFamily="18" charset="-127"/>
-              </a:rPr>
-              <a:t>례</a:t>
-            </a:r>
-            <a:r>
-              <a:rPr lang="ko-KR" altLang="en-US" sz="2800" b="1" spc="-300" dirty="0">
-                <a:solidFill>
-                  <a:schemeClr val="bg2">
-                    <a:lumMod val="25000"/>
-                  </a:schemeClr>
-                </a:solidFill>
-                <a:latin typeface="HY헤드라인M" pitchFamily="18" charset="-127"/>
-                <a:ea typeface="HY헤드라인M" pitchFamily="18" charset="-127"/>
-              </a:rPr>
-              <a:t> 연 구 </a:t>
-            </a:r>
-            <a:r>
-              <a:rPr lang="en-US" altLang="ko-KR" sz="2800" b="1" spc="-300" dirty="0">
-                <a:solidFill>
-                  <a:schemeClr val="bg2">
-                    <a:lumMod val="25000"/>
-                  </a:schemeClr>
-                </a:solidFill>
-                <a:latin typeface="HY헤드라인M" pitchFamily="18" charset="-127"/>
-                <a:ea typeface="HY헤드라인M" pitchFamily="18" charset="-127"/>
-              </a:rPr>
-              <a:t>- </a:t>
-            </a:r>
-            <a:r>
-              <a:rPr lang="ko-KR" altLang="en-US" sz="2800" b="1" spc="-300" dirty="0" err="1">
+              <a:rPr lang="ko-KR" altLang="en-US" sz="2800" b="1" spc="-300" dirty="0" err="1" smtClean="0">
                 <a:solidFill>
                   <a:schemeClr val="bg2">
                     <a:lumMod val="25000"/>
@@ -4663,8 +4615,8 @@
         </p:nvSpPr>
         <p:spPr>
           <a:xfrm>
-            <a:off x="2666918" y="3001838"/>
-            <a:ext cx="5199477" cy="369332"/>
+            <a:off x="2267744" y="3001838"/>
+            <a:ext cx="5832648" cy="369332"/>
           </a:xfrm>
           <a:prstGeom prst="rect">
             <a:avLst/>
@@ -4732,6 +4684,14 @@
                 </a:solidFill>
               </a:rPr>
               <a:t>과정평가형자격</a:t>
+            </a:r>
+            <a:r>
+              <a:rPr lang="ko-KR" altLang="en-US" b="1" dirty="0" smtClean="0">
+                <a:solidFill>
+                  <a:srgbClr val="FFC000"/>
+                </a:solidFill>
+              </a:rPr>
+              <a:t> 아무개</a:t>
             </a:r>
             <a:endParaRPr lang="ko-KR" altLang="en-US" b="1" dirty="0">
               <a:solidFill>
@@ -9168,63 +9128,6 @@
       </p:sp>
       <p:sp>
         <p:nvSpPr>
-          <p:cNvPr id="56" name="타원 55"/>
-          <p:cNvSpPr/>
-          <p:nvPr/>
-        </p:nvSpPr>
-        <p:spPr>
-          <a:xfrm>
-            <a:off x="3018043" y="3134631"/>
-            <a:ext cx="756084" cy="257669"/>
-          </a:xfrm>
-          <a:prstGeom prst="ellipse">
-            <a:avLst/>
-          </a:prstGeom>
-          <a:solidFill>
-            <a:srgbClr val="987C4D"/>
-          </a:solidFill>
-          <a:ln>
-            <a:solidFill>
-              <a:srgbClr val="987C4D"/>
-            </a:solidFill>
-          </a:ln>
-        </p:spPr>
-        <p:style>
-          <a:lnRef idx="2">
-            <a:schemeClr val="accent1">
-              <a:shade val="50000"/>
-            </a:schemeClr>
-          </a:lnRef>
-          <a:fillRef idx="1">
-            <a:schemeClr val="accent1"/>
-          </a:fillRef>
-          <a:effectRef idx="0">
-            <a:schemeClr val="accent1"/>
-          </a:effectRef>
-          <a:fontRef idx="minor">
-            <a:schemeClr val="lt1"/>
-          </a:fontRef>
-        </p:style>
-        <p:txBody>
-          <a:bodyPr rot="0" spcFirstLastPara="0" vertOverflow="overflow" horzOverflow="overflow" vert="horz" wrap="square" lIns="0" tIns="0" rIns="0" bIns="0" numCol="1" spcCol="0" rtlCol="0" fromWordArt="0" anchor="ctr" anchorCtr="0" forceAA="0" compatLnSpc="1">
-            <a:prstTxWarp prst="textNoShape">
-              <a:avLst/>
-            </a:prstTxWarp>
-            <a:noAutofit/>
-          </a:bodyPr>
-          <a:lstStyle/>
-          <a:p>
-            <a:pPr algn="ctr"/>
-            <a:r>
-              <a:rPr lang="ko-KR" altLang="en-US" sz="1000" b="1"/>
-              <a:t>내서재</a:t>
-            </a:r>
-            <a:endParaRPr lang="ko-KR" altLang="en-US" sz="1000" b="1" dirty="0"/>
-          </a:p>
-        </p:txBody>
-      </p:sp>
-      <p:sp>
-        <p:nvSpPr>
           <p:cNvPr id="57" name="타원 56"/>
           <p:cNvSpPr/>
           <p:nvPr/>
@@ -9295,7 +9198,7 @@
         </p:nvSpPr>
         <p:spPr>
           <a:xfrm>
-            <a:off x="3864174" y="3654021"/>
+            <a:off x="3027237" y="3206081"/>
             <a:ext cx="756084" cy="257669"/>
           </a:xfrm>
           <a:prstGeom prst="ellipse">
@@ -10646,174 +10549,6 @@
           </a:fontRef>
         </p:style>
       </p:cxnSp>
-      <p:sp>
-        <p:nvSpPr>
-          <p:cNvPr id="111" name="TextBox 110"/>
-          <p:cNvSpPr txBox="1"/>
-          <p:nvPr/>
-        </p:nvSpPr>
-        <p:spPr>
-          <a:xfrm>
-            <a:off x="2817273" y="3559538"/>
-            <a:ext cx="551433" cy="123111"/>
-          </a:xfrm>
-          <a:prstGeom prst="rect">
-            <a:avLst/>
-          </a:prstGeom>
-          <a:noFill/>
-        </p:spPr>
-        <p:txBody>
-          <a:bodyPr wrap="none" lIns="0" tIns="0" rIns="0" bIns="0" rtlCol="0">
-            <a:spAutoFit/>
-          </a:bodyPr>
-          <a:lstStyle/>
-          <a:p>
-            <a:r>
-              <a:rPr lang="en-US" altLang="ko-KR" sz="800" dirty="0">
-                <a:solidFill>
-                  <a:schemeClr val="bg1">
-                    <a:lumMod val="50000"/>
-                  </a:schemeClr>
-                </a:solidFill>
-              </a:rPr>
-              <a:t>&lt;&lt;include&gt;</a:t>
-            </a:r>
-            <a:endParaRPr lang="ko-KR" altLang="en-US" sz="800" dirty="0">
-              <a:solidFill>
-                <a:schemeClr val="bg1">
-                  <a:lumMod val="50000"/>
-                </a:schemeClr>
-              </a:solidFill>
-            </a:endParaRPr>
-          </a:p>
-        </p:txBody>
-      </p:sp>
-      <p:cxnSp>
-        <p:nvCxnSpPr>
-          <p:cNvPr id="113" name="직선 화살표 연결선 112"/>
-          <p:cNvCxnSpPr>
-            <a:stCxn id="57" idx="0"/>
-            <a:endCxn id="56" idx="4"/>
-          </p:cNvCxnSpPr>
-          <p:nvPr/>
-        </p:nvCxnSpPr>
-        <p:spPr>
-          <a:xfrm flipV="1">
-            <a:off x="3381875" y="3392300"/>
-            <a:ext cx="14210" cy="271932"/>
-          </a:xfrm>
-          <a:prstGeom prst="straightConnector1">
-            <a:avLst/>
-          </a:prstGeom>
-          <a:ln w="12700">
-            <a:solidFill>
-              <a:schemeClr val="accent6">
-                <a:lumMod val="75000"/>
-              </a:schemeClr>
-            </a:solidFill>
-            <a:prstDash val="dash"/>
-            <a:headEnd type="arrow"/>
-            <a:tailEnd type="none"/>
-          </a:ln>
-        </p:spPr>
-        <p:style>
-          <a:lnRef idx="1">
-            <a:schemeClr val="accent1"/>
-          </a:lnRef>
-          <a:fillRef idx="0">
-            <a:schemeClr val="accent1"/>
-          </a:fillRef>
-          <a:effectRef idx="0">
-            <a:schemeClr val="accent1"/>
-          </a:effectRef>
-          <a:fontRef idx="minor">
-            <a:schemeClr val="tx1"/>
-          </a:fontRef>
-        </p:style>
-      </p:cxnSp>
-      <p:cxnSp>
-        <p:nvCxnSpPr>
-          <p:cNvPr id="115" name="직선 화살표 연결선 114"/>
-          <p:cNvCxnSpPr>
-            <a:stCxn id="58" idx="0"/>
-            <a:endCxn id="56" idx="5"/>
-          </p:cNvCxnSpPr>
-          <p:nvPr/>
-        </p:nvCxnSpPr>
-        <p:spPr>
-          <a:xfrm flipH="1" flipV="1">
-            <a:off x="3663401" y="3354565"/>
-            <a:ext cx="578815" cy="299456"/>
-          </a:xfrm>
-          <a:prstGeom prst="straightConnector1">
-            <a:avLst/>
-          </a:prstGeom>
-          <a:ln w="12700">
-            <a:solidFill>
-              <a:srgbClr val="802323"/>
-            </a:solidFill>
-            <a:prstDash val="dash"/>
-            <a:headEnd type="arrow"/>
-            <a:tailEnd type="none"/>
-          </a:ln>
-        </p:spPr>
-        <p:style>
-          <a:lnRef idx="1">
-            <a:schemeClr val="accent1"/>
-          </a:lnRef>
-          <a:fillRef idx="0">
-            <a:schemeClr val="accent1"/>
-          </a:fillRef>
-          <a:effectRef idx="0">
-            <a:schemeClr val="accent1"/>
-          </a:effectRef>
-          <a:fontRef idx="minor">
-            <a:schemeClr val="tx1"/>
-          </a:fontRef>
-        </p:style>
-      </p:cxnSp>
-      <p:sp>
-        <p:nvSpPr>
-          <p:cNvPr id="116" name="TextBox 115"/>
-          <p:cNvSpPr txBox="1"/>
-          <p:nvPr/>
-        </p:nvSpPr>
-        <p:spPr>
-          <a:xfrm>
-            <a:off x="3825385" y="3523345"/>
-            <a:ext cx="551433" cy="123111"/>
-          </a:xfrm>
-          <a:prstGeom prst="rect">
-            <a:avLst/>
-          </a:prstGeom>
-          <a:noFill/>
-        </p:spPr>
-        <p:txBody>
-          <a:bodyPr wrap="none" lIns="0" tIns="0" rIns="0" bIns="0" rtlCol="0">
-            <a:spAutoFit/>
-          </a:bodyPr>
-          <a:lstStyle/>
-          <a:p>
-            <a:r>
-              <a:rPr lang="en-US" altLang="ko-KR" sz="800" dirty="0">
-                <a:solidFill>
-                  <a:schemeClr val="bg1">
-                    <a:lumMod val="50000"/>
-                  </a:schemeClr>
-                </a:solidFill>
-              </a:rPr>
-              <a:t>&lt;&lt;include&gt;</a:t>
-            </a:r>
-            <a:endParaRPr lang="ko-KR" altLang="en-US" sz="800" dirty="0">
-              <a:solidFill>
-                <a:schemeClr val="bg1">
-                  <a:lumMod val="50000"/>
-                </a:schemeClr>
-              </a:solidFill>
-            </a:endParaRPr>
-          </a:p>
-        </p:txBody>
-      </p:sp>
       <p:cxnSp>
         <p:nvCxnSpPr>
           <p:cNvPr id="122" name="직선 연결선 121"/>
@@ -10857,14 +10592,14 @@
         <p:nvCxnSpPr>
           <p:cNvPr id="126" name="직선 연결선 125"/>
           <p:cNvCxnSpPr>
-            <a:stCxn id="56" idx="2"/>
+            <a:stCxn id="58" idx="2"/>
           </p:cNvCxnSpPr>
           <p:nvPr/>
         </p:nvCxnSpPr>
         <p:spPr>
           <a:xfrm flipH="1" flipV="1">
-            <a:off x="1338448" y="2565089"/>
-            <a:ext cx="1679595" cy="698377"/>
+            <a:off x="1338449" y="2565090"/>
+            <a:ext cx="1688788" cy="769826"/>
           </a:xfrm>
           <a:prstGeom prst="line">
             <a:avLst/>
@@ -11808,6 +11543,45 @@
             <a:prstDash val="dash"/>
             <a:headEnd type="arrow"/>
             <a:tailEnd type="none"/>
+          </a:ln>
+        </p:spPr>
+        <p:style>
+          <a:lnRef idx="1">
+            <a:schemeClr val="accent1"/>
+          </a:lnRef>
+          <a:fillRef idx="0">
+            <a:schemeClr val="accent1"/>
+          </a:fillRef>
+          <a:effectRef idx="0">
+            <a:schemeClr val="accent1"/>
+          </a:effectRef>
+          <a:fontRef idx="minor">
+            <a:schemeClr val="tx1"/>
+          </a:fontRef>
+        </p:style>
+      </p:cxnSp>
+      <p:cxnSp>
+        <p:nvCxnSpPr>
+          <p:cNvPr id="109" name="직선 연결선 108"/>
+          <p:cNvCxnSpPr>
+            <a:stCxn id="57" idx="2"/>
+          </p:cNvCxnSpPr>
+          <p:nvPr/>
+        </p:nvCxnSpPr>
+        <p:spPr>
+          <a:xfrm flipH="1" flipV="1">
+            <a:off x="1338449" y="2550927"/>
+            <a:ext cx="1665384" cy="1242140"/>
+          </a:xfrm>
+          <a:prstGeom prst="line">
+            <a:avLst/>
+          </a:prstGeom>
+          <a:ln w="12700">
+            <a:solidFill>
+              <a:schemeClr val="accent6">
+                <a:lumMod val="75000"/>
+              </a:schemeClr>
+            </a:solidFill>
           </a:ln>
         </p:spPr>
         <p:style>
@@ -17646,6 +17420,13 @@
   <p:clrMapOvr>
     <a:masterClrMapping/>
   </p:clrMapOvr>
+  <p:timing>
+    <p:tnLst>
+      <p:par>
+        <p:cTn id="1" dur="indefinite" restart="never" nodeType="tmRoot"/>
+      </p:par>
+    </p:tnLst>
+  </p:timing>
 </p:sld>
 </file>
 
@@ -17800,6 +17581,13 @@
   <p:clrMapOvr>
     <a:masterClrMapping/>
   </p:clrMapOvr>
+  <p:timing>
+    <p:tnLst>
+      <p:par>
+        <p:cTn id="1" dur="indefinite" restart="never" nodeType="tmRoot"/>
+      </p:par>
+    </p:tnLst>
+  </p:timing>
 </p:sld>
 </file>
 
@@ -17918,28 +17706,28 @@
                 <a:gridCol w="401729">
                   <a:extLst>
                     <a:ext uri="{9D8B030D-6E8A-4147-A177-3AD203B41FA5}">
-                      <a16:colId xmlns="" xmlns:a16="http://schemas.microsoft.com/office/drawing/2014/main" val="20000"/>
+                      <a16:colId xmlns:a16="http://schemas.microsoft.com/office/drawing/2014/main" xmlns="" val="20000"/>
                     </a:ext>
                   </a:extLst>
                 </a:gridCol>
                 <a:gridCol w="535638">
                   <a:extLst>
                     <a:ext uri="{9D8B030D-6E8A-4147-A177-3AD203B41FA5}">
-                      <a16:colId xmlns="" xmlns:a16="http://schemas.microsoft.com/office/drawing/2014/main" val="20001"/>
+                      <a16:colId xmlns:a16="http://schemas.microsoft.com/office/drawing/2014/main" xmlns="" val="20001"/>
                     </a:ext>
                   </a:extLst>
                 </a:gridCol>
                 <a:gridCol w="602593">
                   <a:extLst>
                     <a:ext uri="{9D8B030D-6E8A-4147-A177-3AD203B41FA5}">
-                      <a16:colId xmlns="" xmlns:a16="http://schemas.microsoft.com/office/drawing/2014/main" val="20002"/>
+                      <a16:colId xmlns:a16="http://schemas.microsoft.com/office/drawing/2014/main" xmlns="" val="20002"/>
                     </a:ext>
                   </a:extLst>
                 </a:gridCol>
                 <a:gridCol w="2276463">
                   <a:extLst>
                     <a:ext uri="{9D8B030D-6E8A-4147-A177-3AD203B41FA5}">
-                      <a16:colId xmlns="" xmlns:a16="http://schemas.microsoft.com/office/drawing/2014/main" val="20003"/>
+                      <a16:colId xmlns:a16="http://schemas.microsoft.com/office/drawing/2014/main" xmlns="" val="20003"/>
                     </a:ext>
                   </a:extLst>
                 </a:gridCol>
@@ -18311,7 +18099,7 @@
                 </a:tc>
                 <a:extLst>
                   <a:ext uri="{0D108BD9-81ED-4DB2-BD59-A6C34878D82A}">
-                    <a16:rowId xmlns="" xmlns:a16="http://schemas.microsoft.com/office/drawing/2014/main" val="10000"/>
+                    <a16:rowId xmlns:a16="http://schemas.microsoft.com/office/drawing/2014/main" xmlns="" val="10000"/>
                   </a:ext>
                 </a:extLst>
               </a:tr>
@@ -18727,7 +18515,7 @@
                 </a:tc>
                 <a:extLst>
                   <a:ext uri="{0D108BD9-81ED-4DB2-BD59-A6C34878D82A}">
-                    <a16:rowId xmlns="" xmlns:a16="http://schemas.microsoft.com/office/drawing/2014/main" val="10001"/>
+                    <a16:rowId xmlns:a16="http://schemas.microsoft.com/office/drawing/2014/main" xmlns="" val="10001"/>
                   </a:ext>
                 </a:extLst>
               </a:tr>
@@ -19012,7 +18800,7 @@
                 </a:tc>
                 <a:extLst>
                   <a:ext uri="{0D108BD9-81ED-4DB2-BD59-A6C34878D82A}">
-                    <a16:rowId xmlns="" xmlns:a16="http://schemas.microsoft.com/office/drawing/2014/main" val="10002"/>
+                    <a16:rowId xmlns:a16="http://schemas.microsoft.com/office/drawing/2014/main" xmlns="" val="10002"/>
                   </a:ext>
                 </a:extLst>
               </a:tr>
@@ -19356,7 +19144,7 @@
                 </a:tc>
                 <a:extLst>
                   <a:ext uri="{0D108BD9-81ED-4DB2-BD59-A6C34878D82A}">
-                    <a16:rowId xmlns="" xmlns:a16="http://schemas.microsoft.com/office/drawing/2014/main" val="10003"/>
+                    <a16:rowId xmlns:a16="http://schemas.microsoft.com/office/drawing/2014/main" xmlns="" val="10003"/>
                   </a:ext>
                 </a:extLst>
               </a:tr>
@@ -19739,7 +19527,7 @@
                 </a:tc>
                 <a:extLst>
                   <a:ext uri="{0D108BD9-81ED-4DB2-BD59-A6C34878D82A}">
-                    <a16:rowId xmlns="" xmlns:a16="http://schemas.microsoft.com/office/drawing/2014/main" val="10004"/>
+                    <a16:rowId xmlns:a16="http://schemas.microsoft.com/office/drawing/2014/main" xmlns="" val="10004"/>
                   </a:ext>
                 </a:extLst>
               </a:tr>
@@ -20094,7 +19882,7 @@
                 </a:tc>
                 <a:extLst>
                   <a:ext uri="{0D108BD9-81ED-4DB2-BD59-A6C34878D82A}">
-                    <a16:rowId xmlns="" xmlns:a16="http://schemas.microsoft.com/office/drawing/2014/main" val="10005"/>
+                    <a16:rowId xmlns:a16="http://schemas.microsoft.com/office/drawing/2014/main" xmlns="" val="10005"/>
                   </a:ext>
                 </a:extLst>
               </a:tr>
@@ -20482,7 +20270,7 @@
                 </a:tc>
                 <a:extLst>
                   <a:ext uri="{0D108BD9-81ED-4DB2-BD59-A6C34878D82A}">
-                    <a16:rowId xmlns="" xmlns:a16="http://schemas.microsoft.com/office/drawing/2014/main" val="10006"/>
+                    <a16:rowId xmlns:a16="http://schemas.microsoft.com/office/drawing/2014/main" xmlns="" val="10006"/>
                   </a:ext>
                 </a:extLst>
               </a:tr>
@@ -20711,7 +20499,7 @@
                 </a:tc>
                 <a:extLst>
                   <a:ext uri="{0D108BD9-81ED-4DB2-BD59-A6C34878D82A}">
-                    <a16:rowId xmlns="" xmlns:a16="http://schemas.microsoft.com/office/drawing/2014/main" val="10007"/>
+                    <a16:rowId xmlns:a16="http://schemas.microsoft.com/office/drawing/2014/main" xmlns="" val="10007"/>
                   </a:ext>
                 </a:extLst>
               </a:tr>
@@ -21046,7 +20834,7 @@
                 </a:tc>
                 <a:extLst>
                   <a:ext uri="{0D108BD9-81ED-4DB2-BD59-A6C34878D82A}">
-                    <a16:rowId xmlns="" xmlns:a16="http://schemas.microsoft.com/office/drawing/2014/main" val="10008"/>
+                    <a16:rowId xmlns:a16="http://schemas.microsoft.com/office/drawing/2014/main" xmlns="" val="10008"/>
                   </a:ext>
                 </a:extLst>
               </a:tr>
@@ -21312,7 +21100,7 @@
                 </a:tc>
                 <a:extLst>
                   <a:ext uri="{0D108BD9-81ED-4DB2-BD59-A6C34878D82A}">
-                    <a16:rowId xmlns="" xmlns:a16="http://schemas.microsoft.com/office/drawing/2014/main" val="10009"/>
+                    <a16:rowId xmlns:a16="http://schemas.microsoft.com/office/drawing/2014/main" xmlns="" val="10009"/>
                   </a:ext>
                 </a:extLst>
               </a:tr>
@@ -21581,7 +21369,7 @@
                 </a:tc>
                 <a:extLst>
                   <a:ext uri="{0D108BD9-81ED-4DB2-BD59-A6C34878D82A}">
-                    <a16:rowId xmlns="" xmlns:a16="http://schemas.microsoft.com/office/drawing/2014/main" val="10010"/>
+                    <a16:rowId xmlns:a16="http://schemas.microsoft.com/office/drawing/2014/main" xmlns="" val="10010"/>
                   </a:ext>
                 </a:extLst>
               </a:tr>
@@ -21866,7 +21654,7 @@
                 </a:tc>
                 <a:extLst>
                   <a:ext uri="{0D108BD9-81ED-4DB2-BD59-A6C34878D82A}">
-                    <a16:rowId xmlns="" xmlns:a16="http://schemas.microsoft.com/office/drawing/2014/main" val="10011"/>
+                    <a16:rowId xmlns:a16="http://schemas.microsoft.com/office/drawing/2014/main" xmlns="" val="10011"/>
                   </a:ext>
                 </a:extLst>
               </a:tr>
@@ -22140,7 +21928,7 @@
                 </a:tc>
                 <a:extLst>
                   <a:ext uri="{0D108BD9-81ED-4DB2-BD59-A6C34878D82A}">
-                    <a16:rowId xmlns="" xmlns:a16="http://schemas.microsoft.com/office/drawing/2014/main" val="10012"/>
+                    <a16:rowId xmlns:a16="http://schemas.microsoft.com/office/drawing/2014/main" xmlns="" val="10012"/>
                   </a:ext>
                 </a:extLst>
               </a:tr>
@@ -22414,7 +22202,7 @@
                 </a:tc>
                 <a:extLst>
                   <a:ext uri="{0D108BD9-81ED-4DB2-BD59-A6C34878D82A}">
-                    <a16:rowId xmlns="" xmlns:a16="http://schemas.microsoft.com/office/drawing/2014/main" val="10013"/>
+                    <a16:rowId xmlns:a16="http://schemas.microsoft.com/office/drawing/2014/main" xmlns="" val="10013"/>
                   </a:ext>
                 </a:extLst>
               </a:tr>
@@ -22684,7 +22472,7 @@
                 </a:tc>
                 <a:extLst>
                   <a:ext uri="{0D108BD9-81ED-4DB2-BD59-A6C34878D82A}">
-                    <a16:rowId xmlns="" xmlns:a16="http://schemas.microsoft.com/office/drawing/2014/main" val="10014"/>
+                    <a16:rowId xmlns:a16="http://schemas.microsoft.com/office/drawing/2014/main" xmlns="" val="10014"/>
                   </a:ext>
                 </a:extLst>
               </a:tr>
@@ -23028,7 +22816,7 @@
                 </a:tc>
                 <a:extLst>
                   <a:ext uri="{0D108BD9-81ED-4DB2-BD59-A6C34878D82A}">
-                    <a16:rowId xmlns="" xmlns:a16="http://schemas.microsoft.com/office/drawing/2014/main" val="10015"/>
+                    <a16:rowId xmlns:a16="http://schemas.microsoft.com/office/drawing/2014/main" xmlns="" val="10015"/>
                   </a:ext>
                 </a:extLst>
               </a:tr>
@@ -23302,7 +23090,7 @@
                 </a:tc>
                 <a:extLst>
                   <a:ext uri="{0D108BD9-81ED-4DB2-BD59-A6C34878D82A}">
-                    <a16:rowId xmlns="" xmlns:a16="http://schemas.microsoft.com/office/drawing/2014/main" val="10016"/>
+                    <a16:rowId xmlns:a16="http://schemas.microsoft.com/office/drawing/2014/main" xmlns="" val="10016"/>
                   </a:ext>
                 </a:extLst>
               </a:tr>
@@ -23576,7 +23364,7 @@
                 </a:tc>
                 <a:extLst>
                   <a:ext uri="{0D108BD9-81ED-4DB2-BD59-A6C34878D82A}">
-                    <a16:rowId xmlns="" xmlns:a16="http://schemas.microsoft.com/office/drawing/2014/main" val="10017"/>
+                    <a16:rowId xmlns:a16="http://schemas.microsoft.com/office/drawing/2014/main" xmlns="" val="10017"/>
                   </a:ext>
                 </a:extLst>
               </a:tr>
@@ -23850,7 +23638,7 @@
                 </a:tc>
                 <a:extLst>
                   <a:ext uri="{0D108BD9-81ED-4DB2-BD59-A6C34878D82A}">
-                    <a16:rowId xmlns="" xmlns:a16="http://schemas.microsoft.com/office/drawing/2014/main" val="10018"/>
+                    <a16:rowId xmlns:a16="http://schemas.microsoft.com/office/drawing/2014/main" xmlns="" val="10018"/>
                   </a:ext>
                 </a:extLst>
               </a:tr>
@@ -24108,7 +23896,7 @@
                 </a:tc>
                 <a:extLst>
                   <a:ext uri="{0D108BD9-81ED-4DB2-BD59-A6C34878D82A}">
-                    <a16:rowId xmlns="" xmlns:a16="http://schemas.microsoft.com/office/drawing/2014/main" val="10019"/>
+                    <a16:rowId xmlns:a16="http://schemas.microsoft.com/office/drawing/2014/main" xmlns="" val="10019"/>
                   </a:ext>
                 </a:extLst>
               </a:tr>
@@ -24363,7 +24151,7 @@
                 </a:tc>
                 <a:extLst>
                   <a:ext uri="{0D108BD9-81ED-4DB2-BD59-A6C34878D82A}">
-                    <a16:rowId xmlns="" xmlns:a16="http://schemas.microsoft.com/office/drawing/2014/main" val="10020"/>
+                    <a16:rowId xmlns:a16="http://schemas.microsoft.com/office/drawing/2014/main" xmlns="" val="10020"/>
                   </a:ext>
                 </a:extLst>
               </a:tr>
@@ -24399,28 +24187,28 @@
                 <a:gridCol w="395434">
                   <a:extLst>
                     <a:ext uri="{9D8B030D-6E8A-4147-A177-3AD203B41FA5}">
-                      <a16:colId xmlns="" xmlns:a16="http://schemas.microsoft.com/office/drawing/2014/main" val="20000"/>
+                      <a16:colId xmlns:a16="http://schemas.microsoft.com/office/drawing/2014/main" xmlns="" val="20000"/>
                     </a:ext>
                   </a:extLst>
                 </a:gridCol>
                 <a:gridCol w="560738">
                   <a:extLst>
                     <a:ext uri="{9D8B030D-6E8A-4147-A177-3AD203B41FA5}">
-                      <a16:colId xmlns="" xmlns:a16="http://schemas.microsoft.com/office/drawing/2014/main" val="20001"/>
+                      <a16:colId xmlns:a16="http://schemas.microsoft.com/office/drawing/2014/main" xmlns="" val="20001"/>
                     </a:ext>
                   </a:extLst>
                 </a:gridCol>
                 <a:gridCol w="573703">
                   <a:extLst>
                     <a:ext uri="{9D8B030D-6E8A-4147-A177-3AD203B41FA5}">
-                      <a16:colId xmlns="" xmlns:a16="http://schemas.microsoft.com/office/drawing/2014/main" val="20002"/>
+                      <a16:colId xmlns:a16="http://schemas.microsoft.com/office/drawing/2014/main" xmlns="" val="20002"/>
                     </a:ext>
                   </a:extLst>
                 </a:gridCol>
                 <a:gridCol w="2358557">
                   <a:extLst>
                     <a:ext uri="{9D8B030D-6E8A-4147-A177-3AD203B41FA5}">
-                      <a16:colId xmlns="" xmlns:a16="http://schemas.microsoft.com/office/drawing/2014/main" val="20003"/>
+                      <a16:colId xmlns:a16="http://schemas.microsoft.com/office/drawing/2014/main" xmlns="" val="20003"/>
                     </a:ext>
                   </a:extLst>
                 </a:gridCol>
@@ -24792,7 +24580,7 @@
                 </a:tc>
                 <a:extLst>
                   <a:ext uri="{0D108BD9-81ED-4DB2-BD59-A6C34878D82A}">
-                    <a16:rowId xmlns="" xmlns:a16="http://schemas.microsoft.com/office/drawing/2014/main" val="10000"/>
+                    <a16:rowId xmlns:a16="http://schemas.microsoft.com/office/drawing/2014/main" xmlns="" val="10000"/>
                   </a:ext>
                 </a:extLst>
               </a:tr>
@@ -25139,7 +24927,7 @@
                 </a:tc>
                 <a:extLst>
                   <a:ext uri="{0D108BD9-81ED-4DB2-BD59-A6C34878D82A}">
-                    <a16:rowId xmlns="" xmlns:a16="http://schemas.microsoft.com/office/drawing/2014/main" val="10001"/>
+                    <a16:rowId xmlns:a16="http://schemas.microsoft.com/office/drawing/2014/main" xmlns="" val="10001"/>
                   </a:ext>
                 </a:extLst>
               </a:tr>
@@ -25472,7 +25260,7 @@
                 </a:tc>
                 <a:extLst>
                   <a:ext uri="{0D108BD9-81ED-4DB2-BD59-A6C34878D82A}">
-                    <a16:rowId xmlns="" xmlns:a16="http://schemas.microsoft.com/office/drawing/2014/main" val="10002"/>
+                    <a16:rowId xmlns:a16="http://schemas.microsoft.com/office/drawing/2014/main" xmlns="" val="10002"/>
                   </a:ext>
                 </a:extLst>
               </a:tr>
@@ -25808,7 +25596,7 @@
                 </a:tc>
                 <a:extLst>
                   <a:ext uri="{0D108BD9-81ED-4DB2-BD59-A6C34878D82A}">
-                    <a16:rowId xmlns="" xmlns:a16="http://schemas.microsoft.com/office/drawing/2014/main" val="10003"/>
+                    <a16:rowId xmlns:a16="http://schemas.microsoft.com/office/drawing/2014/main" xmlns="" val="10003"/>
                   </a:ext>
                 </a:extLst>
               </a:tr>
@@ -26007,7 +25795,7 @@
                 </a:tc>
                 <a:extLst>
                   <a:ext uri="{0D108BD9-81ED-4DB2-BD59-A6C34878D82A}">
-                    <a16:rowId xmlns="" xmlns:a16="http://schemas.microsoft.com/office/drawing/2014/main" val="10004"/>
+                    <a16:rowId xmlns:a16="http://schemas.microsoft.com/office/drawing/2014/main" xmlns="" val="10004"/>
                   </a:ext>
                 </a:extLst>
               </a:tr>
@@ -26228,7 +26016,7 @@
                 </a:tc>
                 <a:extLst>
                   <a:ext uri="{0D108BD9-81ED-4DB2-BD59-A6C34878D82A}">
-                    <a16:rowId xmlns="" xmlns:a16="http://schemas.microsoft.com/office/drawing/2014/main" val="10005"/>
+                    <a16:rowId xmlns:a16="http://schemas.microsoft.com/office/drawing/2014/main" xmlns="" val="10005"/>
                   </a:ext>
                 </a:extLst>
               </a:tr>
@@ -26541,7 +26329,7 @@
                 </a:tc>
                 <a:extLst>
                   <a:ext uri="{0D108BD9-81ED-4DB2-BD59-A6C34878D82A}">
-                    <a16:rowId xmlns="" xmlns:a16="http://schemas.microsoft.com/office/drawing/2014/main" val="10006"/>
+                    <a16:rowId xmlns:a16="http://schemas.microsoft.com/office/drawing/2014/main" xmlns="" val="10006"/>
                   </a:ext>
                 </a:extLst>
               </a:tr>
@@ -26862,7 +26650,7 @@
                 </a:tc>
                 <a:extLst>
                   <a:ext uri="{0D108BD9-81ED-4DB2-BD59-A6C34878D82A}">
-                    <a16:rowId xmlns="" xmlns:a16="http://schemas.microsoft.com/office/drawing/2014/main" val="10007"/>
+                    <a16:rowId xmlns:a16="http://schemas.microsoft.com/office/drawing/2014/main" xmlns="" val="10007"/>
                   </a:ext>
                 </a:extLst>
               </a:tr>
@@ -27227,7 +27015,7 @@
                 </a:tc>
                 <a:extLst>
                   <a:ext uri="{0D108BD9-81ED-4DB2-BD59-A6C34878D82A}">
-                    <a16:rowId xmlns="" xmlns:a16="http://schemas.microsoft.com/office/drawing/2014/main" val="10008"/>
+                    <a16:rowId xmlns:a16="http://schemas.microsoft.com/office/drawing/2014/main" xmlns="" val="10008"/>
                   </a:ext>
                 </a:extLst>
               </a:tr>
@@ -27501,7 +27289,7 @@
                 </a:tc>
                 <a:extLst>
                   <a:ext uri="{0D108BD9-81ED-4DB2-BD59-A6C34878D82A}">
-                    <a16:rowId xmlns="" xmlns:a16="http://schemas.microsoft.com/office/drawing/2014/main" val="10009"/>
+                    <a16:rowId xmlns:a16="http://schemas.microsoft.com/office/drawing/2014/main" xmlns="" val="10009"/>
                   </a:ext>
                 </a:extLst>
               </a:tr>
@@ -27775,7 +27563,7 @@
                 </a:tc>
                 <a:extLst>
                   <a:ext uri="{0D108BD9-81ED-4DB2-BD59-A6C34878D82A}">
-                    <a16:rowId xmlns="" xmlns:a16="http://schemas.microsoft.com/office/drawing/2014/main" val="10010"/>
+                    <a16:rowId xmlns:a16="http://schemas.microsoft.com/office/drawing/2014/main" xmlns="" val="10010"/>
                   </a:ext>
                 </a:extLst>
               </a:tr>
@@ -28049,7 +27837,7 @@
                 </a:tc>
                 <a:extLst>
                   <a:ext uri="{0D108BD9-81ED-4DB2-BD59-A6C34878D82A}">
-                    <a16:rowId xmlns="" xmlns:a16="http://schemas.microsoft.com/office/drawing/2014/main" val="10011"/>
+                    <a16:rowId xmlns:a16="http://schemas.microsoft.com/office/drawing/2014/main" xmlns="" val="10011"/>
                   </a:ext>
                 </a:extLst>
               </a:tr>
@@ -28323,7 +28111,7 @@
                 </a:tc>
                 <a:extLst>
                   <a:ext uri="{0D108BD9-81ED-4DB2-BD59-A6C34878D82A}">
-                    <a16:rowId xmlns="" xmlns:a16="http://schemas.microsoft.com/office/drawing/2014/main" val="10012"/>
+                    <a16:rowId xmlns:a16="http://schemas.microsoft.com/office/drawing/2014/main" xmlns="" val="10012"/>
                   </a:ext>
                 </a:extLst>
               </a:tr>
@@ -28601,7 +28389,7 @@
                 </a:tc>
                 <a:extLst>
                   <a:ext uri="{0D108BD9-81ED-4DB2-BD59-A6C34878D82A}">
-                    <a16:rowId xmlns="" xmlns:a16="http://schemas.microsoft.com/office/drawing/2014/main" val="10013"/>
+                    <a16:rowId xmlns:a16="http://schemas.microsoft.com/office/drawing/2014/main" xmlns="" val="10013"/>
                   </a:ext>
                 </a:extLst>
               </a:tr>
@@ -28937,7 +28725,7 @@
                 </a:tc>
                 <a:extLst>
                   <a:ext uri="{0D108BD9-81ED-4DB2-BD59-A6C34878D82A}">
-                    <a16:rowId xmlns="" xmlns:a16="http://schemas.microsoft.com/office/drawing/2014/main" val="10014"/>
+                    <a16:rowId xmlns:a16="http://schemas.microsoft.com/office/drawing/2014/main" xmlns="" val="10014"/>
                   </a:ext>
                 </a:extLst>
               </a:tr>
@@ -29203,7 +28991,7 @@
                 </a:tc>
                 <a:extLst>
                   <a:ext uri="{0D108BD9-81ED-4DB2-BD59-A6C34878D82A}">
-                    <a16:rowId xmlns="" xmlns:a16="http://schemas.microsoft.com/office/drawing/2014/main" val="10015"/>
+                    <a16:rowId xmlns:a16="http://schemas.microsoft.com/office/drawing/2014/main" xmlns="" val="10015"/>
                   </a:ext>
                 </a:extLst>
               </a:tr>
@@ -29469,7 +29257,7 @@
                 </a:tc>
                 <a:extLst>
                   <a:ext uri="{0D108BD9-81ED-4DB2-BD59-A6C34878D82A}">
-                    <a16:rowId xmlns="" xmlns:a16="http://schemas.microsoft.com/office/drawing/2014/main" val="10016"/>
+                    <a16:rowId xmlns:a16="http://schemas.microsoft.com/office/drawing/2014/main" xmlns="" val="10016"/>
                   </a:ext>
                 </a:extLst>
               </a:tr>
@@ -29735,7 +29523,7 @@
                 </a:tc>
                 <a:extLst>
                   <a:ext uri="{0D108BD9-81ED-4DB2-BD59-A6C34878D82A}">
-                    <a16:rowId xmlns="" xmlns:a16="http://schemas.microsoft.com/office/drawing/2014/main" val="10017"/>
+                    <a16:rowId xmlns:a16="http://schemas.microsoft.com/office/drawing/2014/main" xmlns="" val="10017"/>
                   </a:ext>
                 </a:extLst>
               </a:tr>
@@ -30056,7 +29844,7 @@
                 </a:tc>
                 <a:extLst>
                   <a:ext uri="{0D108BD9-81ED-4DB2-BD59-A6C34878D82A}">
-                    <a16:rowId xmlns="" xmlns:a16="http://schemas.microsoft.com/office/drawing/2014/main" val="10018"/>
+                    <a16:rowId xmlns:a16="http://schemas.microsoft.com/office/drawing/2014/main" xmlns="" val="10018"/>
                   </a:ext>
                 </a:extLst>
               </a:tr>
@@ -30352,7 +30140,7 @@
                 </a:tc>
                 <a:extLst>
                   <a:ext uri="{0D108BD9-81ED-4DB2-BD59-A6C34878D82A}">
-                    <a16:rowId xmlns="" xmlns:a16="http://schemas.microsoft.com/office/drawing/2014/main" val="10019"/>
+                    <a16:rowId xmlns:a16="http://schemas.microsoft.com/office/drawing/2014/main" xmlns="" val="10019"/>
                   </a:ext>
                 </a:extLst>
               </a:tr>
@@ -30665,7 +30453,7 @@
                 </a:tc>
                 <a:extLst>
                   <a:ext uri="{0D108BD9-81ED-4DB2-BD59-A6C34878D82A}">
-                    <a16:rowId xmlns="" xmlns:a16="http://schemas.microsoft.com/office/drawing/2014/main" val="10020"/>
+                    <a16:rowId xmlns:a16="http://schemas.microsoft.com/office/drawing/2014/main" xmlns="" val="10020"/>
                   </a:ext>
                 </a:extLst>
               </a:tr>
@@ -30683,6 +30471,13 @@
   <p:clrMapOvr>
     <a:masterClrMapping/>
   </p:clrMapOvr>
+  <p:timing>
+    <p:tnLst>
+      <p:par>
+        <p:cTn id="1" dur="indefinite" restart="never" nodeType="tmRoot"/>
+      </p:par>
+    </p:tnLst>
+  </p:timing>
 </p:sld>
 </file>
 
